--- a/Unterlagen/ERDiagramm.pptx
+++ b/Unterlagen/ERDiagramm.pptx
@@ -10754,6 +10754,366 @@
           <a:effectLst/>
         </p:spPr>
       </p:cxnSp>
+      <p:sp>
+        <p:nvSpPr>
+          <p:cNvPr id="89" name="Textfeld 88">
+            <a:extLst>
+              <a:ext uri="{FF2B5EF4-FFF2-40B4-BE49-F238E27FC236}">
+                <a16:creationId xmlns:a16="http://schemas.microsoft.com/office/drawing/2014/main" id="{CE36D168-8708-4513-9219-E396C2166D01}"/>
+              </a:ext>
+            </a:extLst>
+          </p:cNvPr>
+          <p:cNvSpPr txBox="1"/>
+          <p:nvPr/>
+        </p:nvSpPr>
+        <p:spPr>
+          <a:xfrm>
+            <a:off x="2913107" y="2274942"/>
+            <a:ext cx="260008" cy="253916"/>
+          </a:xfrm>
+          <a:prstGeom prst="rect">
+            <a:avLst/>
+          </a:prstGeom>
+          <a:noFill/>
+        </p:spPr>
+        <p:txBody>
+          <a:bodyPr wrap="none" rtlCol="0">
+            <a:spAutoFit/>
+          </a:bodyPr>
+          <a:lstStyle/>
+          <a:p>
+            <a:r>
+              <a:rPr lang="de-DE" sz="1000" b="1" dirty="0"/>
+              <a:t>1</a:t>
+            </a:r>
+            <a:endParaRPr lang="de-DE" sz="900" b="1" dirty="0"/>
+          </a:p>
+        </p:txBody>
+      </p:sp>
+      <p:sp>
+        <p:nvSpPr>
+          <p:cNvPr id="90" name="Textfeld 89">
+            <a:extLst>
+              <a:ext uri="{FF2B5EF4-FFF2-40B4-BE49-F238E27FC236}">
+                <a16:creationId xmlns:a16="http://schemas.microsoft.com/office/drawing/2014/main" id="{E54F8FC0-CF79-4FB4-9AEB-B7747B98C1BC}"/>
+              </a:ext>
+            </a:extLst>
+          </p:cNvPr>
+          <p:cNvSpPr txBox="1"/>
+          <p:nvPr/>
+        </p:nvSpPr>
+        <p:spPr>
+          <a:xfrm>
+            <a:off x="4215766" y="3092614"/>
+            <a:ext cx="277640" cy="246221"/>
+          </a:xfrm>
+          <a:prstGeom prst="rect">
+            <a:avLst/>
+          </a:prstGeom>
+          <a:noFill/>
+        </p:spPr>
+        <p:txBody>
+          <a:bodyPr wrap="square" rtlCol="0">
+            <a:spAutoFit/>
+          </a:bodyPr>
+          <a:lstStyle/>
+          <a:p>
+            <a:r>
+              <a:rPr lang="de-DE" sz="1000" b="1" dirty="0"/>
+              <a:t>N</a:t>
+            </a:r>
+            <a:endParaRPr lang="de-DE" sz="900" b="1" dirty="0"/>
+          </a:p>
+        </p:txBody>
+      </p:sp>
+      <p:sp>
+        <p:nvSpPr>
+          <p:cNvPr id="91" name="Textfeld 90">
+            <a:extLst>
+              <a:ext uri="{FF2B5EF4-FFF2-40B4-BE49-F238E27FC236}">
+                <a16:creationId xmlns:a16="http://schemas.microsoft.com/office/drawing/2014/main" id="{EBC6E67E-4E15-436D-9ADB-8756A2DD901F}"/>
+              </a:ext>
+            </a:extLst>
+          </p:cNvPr>
+          <p:cNvSpPr txBox="1"/>
+          <p:nvPr/>
+        </p:nvSpPr>
+        <p:spPr>
+          <a:xfrm>
+            <a:off x="4394944" y="2998676"/>
+            <a:ext cx="277640" cy="246221"/>
+          </a:xfrm>
+          <a:prstGeom prst="rect">
+            <a:avLst/>
+          </a:prstGeom>
+          <a:noFill/>
+        </p:spPr>
+        <p:txBody>
+          <a:bodyPr wrap="square" rtlCol="0">
+            <a:spAutoFit/>
+          </a:bodyPr>
+          <a:lstStyle/>
+          <a:p>
+            <a:r>
+              <a:rPr lang="de-DE" sz="1000" b="1" dirty="0"/>
+              <a:t>N</a:t>
+            </a:r>
+            <a:endParaRPr lang="de-DE" sz="900" b="1" dirty="0"/>
+          </a:p>
+        </p:txBody>
+      </p:sp>
+      <p:sp>
+        <p:nvSpPr>
+          <p:cNvPr id="92" name="Textfeld 91">
+            <a:extLst>
+              <a:ext uri="{FF2B5EF4-FFF2-40B4-BE49-F238E27FC236}">
+                <a16:creationId xmlns:a16="http://schemas.microsoft.com/office/drawing/2014/main" id="{A5944572-826F-460D-98EA-D955324EABF8}"/>
+              </a:ext>
+            </a:extLst>
+          </p:cNvPr>
+          <p:cNvSpPr txBox="1"/>
+          <p:nvPr/>
+        </p:nvSpPr>
+        <p:spPr>
+          <a:xfrm>
+            <a:off x="4427942" y="3613977"/>
+            <a:ext cx="277640" cy="246221"/>
+          </a:xfrm>
+          <a:prstGeom prst="rect">
+            <a:avLst/>
+          </a:prstGeom>
+          <a:noFill/>
+        </p:spPr>
+        <p:txBody>
+          <a:bodyPr wrap="square" rtlCol="0">
+            <a:spAutoFit/>
+          </a:bodyPr>
+          <a:lstStyle/>
+          <a:p>
+            <a:r>
+              <a:rPr lang="de-DE" sz="1000" b="1" dirty="0"/>
+              <a:t>N</a:t>
+            </a:r>
+            <a:endParaRPr lang="de-DE" sz="900" b="1" dirty="0"/>
+          </a:p>
+        </p:txBody>
+      </p:sp>
+      <p:sp>
+        <p:nvSpPr>
+          <p:cNvPr id="93" name="Textfeld 92">
+            <a:extLst>
+              <a:ext uri="{FF2B5EF4-FFF2-40B4-BE49-F238E27FC236}">
+                <a16:creationId xmlns:a16="http://schemas.microsoft.com/office/drawing/2014/main" id="{0248407E-A6AD-47F6-9586-BDBCD91D2B5B}"/>
+              </a:ext>
+            </a:extLst>
+          </p:cNvPr>
+          <p:cNvSpPr txBox="1"/>
+          <p:nvPr/>
+        </p:nvSpPr>
+        <p:spPr>
+          <a:xfrm>
+            <a:off x="4264940" y="2161755"/>
+            <a:ext cx="260008" cy="253916"/>
+          </a:xfrm>
+          <a:prstGeom prst="rect">
+            <a:avLst/>
+          </a:prstGeom>
+          <a:noFill/>
+        </p:spPr>
+        <p:txBody>
+          <a:bodyPr wrap="none" rtlCol="0">
+            <a:spAutoFit/>
+          </a:bodyPr>
+          <a:lstStyle/>
+          <a:p>
+            <a:r>
+              <a:rPr lang="de-DE" sz="1000" b="1" dirty="0"/>
+              <a:t>1</a:t>
+            </a:r>
+            <a:endParaRPr lang="de-DE" sz="900" b="1" dirty="0"/>
+          </a:p>
+        </p:txBody>
+      </p:sp>
+      <p:sp>
+        <p:nvSpPr>
+          <p:cNvPr id="94" name="Textfeld 93">
+            <a:extLst>
+              <a:ext uri="{FF2B5EF4-FFF2-40B4-BE49-F238E27FC236}">
+                <a16:creationId xmlns:a16="http://schemas.microsoft.com/office/drawing/2014/main" id="{266466E1-5B50-4A53-903B-401B8D677DF1}"/>
+              </a:ext>
+            </a:extLst>
+          </p:cNvPr>
+          <p:cNvSpPr txBox="1"/>
+          <p:nvPr/>
+        </p:nvSpPr>
+        <p:spPr>
+          <a:xfrm>
+            <a:off x="4815659" y="3101253"/>
+            <a:ext cx="260008" cy="253916"/>
+          </a:xfrm>
+          <a:prstGeom prst="rect">
+            <a:avLst/>
+          </a:prstGeom>
+          <a:noFill/>
+        </p:spPr>
+        <p:txBody>
+          <a:bodyPr wrap="none" rtlCol="0">
+            <a:spAutoFit/>
+          </a:bodyPr>
+          <a:lstStyle/>
+          <a:p>
+            <a:r>
+              <a:rPr lang="de-DE" sz="1000" b="1" dirty="0"/>
+              <a:t>1</a:t>
+            </a:r>
+            <a:endParaRPr lang="de-DE" sz="900" b="1" dirty="0"/>
+          </a:p>
+        </p:txBody>
+      </p:sp>
+      <p:sp>
+        <p:nvSpPr>
+          <p:cNvPr id="95" name="Textfeld 94">
+            <a:extLst>
+              <a:ext uri="{FF2B5EF4-FFF2-40B4-BE49-F238E27FC236}">
+                <a16:creationId xmlns:a16="http://schemas.microsoft.com/office/drawing/2014/main" id="{4E33C3F9-F046-478C-87AF-701DA10D6E98}"/>
+              </a:ext>
+            </a:extLst>
+          </p:cNvPr>
+          <p:cNvSpPr txBox="1"/>
+          <p:nvPr/>
+        </p:nvSpPr>
+        <p:spPr>
+          <a:xfrm>
+            <a:off x="6869766" y="3016153"/>
+            <a:ext cx="260008" cy="253916"/>
+          </a:xfrm>
+          <a:prstGeom prst="rect">
+            <a:avLst/>
+          </a:prstGeom>
+          <a:noFill/>
+        </p:spPr>
+        <p:txBody>
+          <a:bodyPr wrap="none" rtlCol="0">
+            <a:spAutoFit/>
+          </a:bodyPr>
+          <a:lstStyle/>
+          <a:p>
+            <a:r>
+              <a:rPr lang="de-DE" sz="1000" b="1" dirty="0"/>
+              <a:t>1</a:t>
+            </a:r>
+            <a:endParaRPr lang="de-DE" sz="900" b="1" dirty="0"/>
+          </a:p>
+        </p:txBody>
+      </p:sp>
+      <p:sp>
+        <p:nvSpPr>
+          <p:cNvPr id="96" name="Textfeld 95">
+            <a:extLst>
+              <a:ext uri="{FF2B5EF4-FFF2-40B4-BE49-F238E27FC236}">
+                <a16:creationId xmlns:a16="http://schemas.microsoft.com/office/drawing/2014/main" id="{7A9A1D58-EFF1-48D9-9FDB-9A7CB0B98A5C}"/>
+              </a:ext>
+            </a:extLst>
+          </p:cNvPr>
+          <p:cNvSpPr txBox="1"/>
+          <p:nvPr/>
+        </p:nvSpPr>
+        <p:spPr>
+          <a:xfrm>
+            <a:off x="4988524" y="4243677"/>
+            <a:ext cx="260008" cy="253916"/>
+          </a:xfrm>
+          <a:prstGeom prst="rect">
+            <a:avLst/>
+          </a:prstGeom>
+          <a:noFill/>
+        </p:spPr>
+        <p:txBody>
+          <a:bodyPr wrap="none" rtlCol="0">
+            <a:spAutoFit/>
+          </a:bodyPr>
+          <a:lstStyle/>
+          <a:p>
+            <a:r>
+              <a:rPr lang="de-DE" sz="1000" b="1" dirty="0"/>
+              <a:t>1</a:t>
+            </a:r>
+            <a:endParaRPr lang="de-DE" sz="900" b="1" dirty="0"/>
+          </a:p>
+        </p:txBody>
+      </p:sp>
+      <p:sp>
+        <p:nvSpPr>
+          <p:cNvPr id="97" name="Textfeld 96">
+            <a:extLst>
+              <a:ext uri="{FF2B5EF4-FFF2-40B4-BE49-F238E27FC236}">
+                <a16:creationId xmlns:a16="http://schemas.microsoft.com/office/drawing/2014/main" id="{3221CA03-4295-4CE2-817B-4A256E47236E}"/>
+              </a:ext>
+            </a:extLst>
+          </p:cNvPr>
+          <p:cNvSpPr txBox="1"/>
+          <p:nvPr/>
+        </p:nvSpPr>
+        <p:spPr>
+          <a:xfrm>
+            <a:off x="5843851" y="2304425"/>
+            <a:ext cx="277640" cy="246221"/>
+          </a:xfrm>
+          <a:prstGeom prst="rect">
+            <a:avLst/>
+          </a:prstGeom>
+          <a:noFill/>
+        </p:spPr>
+        <p:txBody>
+          <a:bodyPr wrap="square" rtlCol="0">
+            <a:spAutoFit/>
+          </a:bodyPr>
+          <a:lstStyle/>
+          <a:p>
+            <a:r>
+              <a:rPr lang="de-DE" sz="1000" b="1" dirty="0"/>
+              <a:t>N</a:t>
+            </a:r>
+            <a:endParaRPr lang="de-DE" sz="900" b="1" dirty="0"/>
+          </a:p>
+        </p:txBody>
+      </p:sp>
+      <p:sp>
+        <p:nvSpPr>
+          <p:cNvPr id="98" name="Textfeld 97">
+            <a:extLst>
+              <a:ext uri="{FF2B5EF4-FFF2-40B4-BE49-F238E27FC236}">
+                <a16:creationId xmlns:a16="http://schemas.microsoft.com/office/drawing/2014/main" id="{4D2D7670-CFC5-4EFE-A73E-EA76DA5D829E}"/>
+              </a:ext>
+            </a:extLst>
+          </p:cNvPr>
+          <p:cNvSpPr txBox="1"/>
+          <p:nvPr/>
+        </p:nvSpPr>
+        <p:spPr>
+          <a:xfrm>
+            <a:off x="6428729" y="2311580"/>
+            <a:ext cx="277640" cy="246221"/>
+          </a:xfrm>
+          <a:prstGeom prst="rect">
+            <a:avLst/>
+          </a:prstGeom>
+          <a:noFill/>
+        </p:spPr>
+        <p:txBody>
+          <a:bodyPr wrap="square" rtlCol="0">
+            <a:spAutoFit/>
+          </a:bodyPr>
+          <a:lstStyle/>
+          <a:p>
+            <a:r>
+              <a:rPr lang="de-DE" sz="1000" b="1" dirty="0"/>
+              <a:t>N</a:t>
+            </a:r>
+            <a:endParaRPr lang="de-DE" sz="900" b="1" dirty="0"/>
+          </a:p>
+        </p:txBody>
+      </p:sp>
     </p:spTree>
     <p:extLst>
       <p:ext uri="{BB962C8B-B14F-4D97-AF65-F5344CB8AC3E}">
